--- a/doc/安全.pptx
+++ b/doc/安全.pptx
@@ -5,7 +5,7 @@
     <p:sldMasterId id="2147483660" r:id="rId1"/>
   </p:sldMasterIdLst>
   <p:notesMasterIdLst>
-    <p:notesMasterId r:id="rId11"/>
+    <p:notesMasterId r:id="rId15"/>
   </p:notesMasterIdLst>
   <p:sldIdLst>
     <p:sldId id="256" r:id="rId2"/>
@@ -17,6 +17,10 @@
     <p:sldId id="263" r:id="rId8"/>
     <p:sldId id="264" r:id="rId9"/>
     <p:sldId id="265" r:id="rId10"/>
+    <p:sldId id="266" r:id="rId11"/>
+    <p:sldId id="268" r:id="rId12"/>
+    <p:sldId id="267" r:id="rId13"/>
+    <p:sldId id="269" r:id="rId14"/>
   </p:sldIdLst>
   <p:sldSz cx="12192000" cy="6858000"/>
   <p:notesSz cx="6858000" cy="9144000"/>
@@ -6625,6 +6629,764 @@
 </p:sld>
 </file>
 
+<file path=ppt/slides/slide10.xml><?xml version="1.0" encoding="utf-8"?>
+<p:sld xmlns:a="http://schemas.openxmlformats.org/drawingml/2006/main" xmlns:r="http://schemas.openxmlformats.org/officeDocument/2006/relationships" xmlns:p="http://schemas.openxmlformats.org/presentationml/2006/main">
+  <p:cSld>
+    <p:spTree>
+      <p:nvGrpSpPr>
+        <p:cNvPr id="1" name=""/>
+        <p:cNvGrpSpPr/>
+        <p:nvPr/>
+      </p:nvGrpSpPr>
+      <p:grpSpPr>
+        <a:xfrm>
+          <a:off x="0" y="0"/>
+          <a:ext cx="0" cy="0"/>
+          <a:chOff x="0" y="0"/>
+          <a:chExt cx="0" cy="0"/>
+        </a:xfrm>
+      </p:grpSpPr>
+      <p:sp>
+        <p:nvSpPr>
+          <p:cNvPr id="2" name="Title 1"/>
+          <p:cNvSpPr>
+            <a:spLocks noGrp="1"/>
+          </p:cNvSpPr>
+          <p:nvPr>
+            <p:ph type="title"/>
+          </p:nvPr>
+        </p:nvSpPr>
+        <p:spPr>
+          <a:xfrm>
+            <a:off x="1499810" y="282844"/>
+            <a:ext cx="10018713" cy="1752599"/>
+          </a:xfrm>
+        </p:spPr>
+        <p:txBody>
+          <a:bodyPr/>
+          <a:lstStyle/>
+          <a:p>
+            <a:r>
+              <a:rPr lang="zh-CN" altLang="en-US" dirty="0" smtClean="0"/>
+              <a:t>填充</a:t>
+            </a:r>
+            <a:r>
+              <a:rPr lang="zh-CN" altLang="en-US" dirty="0" smtClean="0"/>
+              <a:t>模式</a:t>
+            </a:r>
+            <a:endParaRPr lang="zh-CN" altLang="en-US" dirty="0"/>
+          </a:p>
+        </p:txBody>
+      </p:sp>
+      <p:sp>
+        <p:nvSpPr>
+          <p:cNvPr id="4" name="圆角矩形 3"/>
+          <p:cNvSpPr/>
+          <p:nvPr/>
+        </p:nvSpPr>
+        <p:spPr>
+          <a:xfrm>
+            <a:off x="2074326" y="1493520"/>
+            <a:ext cx="9934794" cy="5364479"/>
+          </a:xfrm>
+          <a:prstGeom prst="roundRect">
+            <a:avLst/>
+          </a:prstGeom>
+        </p:spPr>
+        <p:style>
+          <a:lnRef idx="1">
+            <a:schemeClr val="accent1"/>
+          </a:lnRef>
+          <a:fillRef idx="2">
+            <a:schemeClr val="accent1"/>
+          </a:fillRef>
+          <a:effectRef idx="1">
+            <a:schemeClr val="accent1"/>
+          </a:effectRef>
+          <a:fontRef idx="minor">
+            <a:schemeClr val="dk1"/>
+          </a:fontRef>
+        </p:style>
+        <p:txBody>
+          <a:bodyPr rtlCol="0" anchor="ctr"/>
+          <a:lstStyle/>
+          <a:p>
+            <a:r>
+              <a:rPr lang="en-US" altLang="zh-CN" dirty="0" smtClean="0"/>
+              <a:t>DES</a:t>
+            </a:r>
+            <a:r>
+              <a:rPr lang="zh-CN" altLang="en-US" dirty="0" smtClean="0"/>
+              <a:t>要</a:t>
+            </a:r>
+            <a:r>
+              <a:rPr lang="zh-CN" altLang="en-US" dirty="0"/>
+              <a:t>将原文进行分组，然后每个分组进行加密，然后组装密文</a:t>
+            </a:r>
+            <a:endParaRPr lang="en-US" altLang="zh-CN" dirty="0" smtClean="0"/>
+          </a:p>
+          <a:p>
+            <a:r>
+              <a:rPr lang="en-US" altLang="zh-CN" dirty="0" err="1" smtClean="0"/>
+              <a:t>NoPadding</a:t>
+            </a:r>
+            <a:r>
+              <a:rPr lang="zh-CN" altLang="en-US" dirty="0" smtClean="0"/>
+              <a:t>：无填充（所以就需要输入的为</a:t>
+            </a:r>
+            <a:r>
+              <a:rPr lang="en-US" altLang="zh-CN" dirty="0" smtClean="0"/>
+              <a:t>8</a:t>
+            </a:r>
+            <a:r>
+              <a:rPr lang="zh-CN" altLang="en-US" dirty="0" smtClean="0"/>
+              <a:t>字节的整数倍）</a:t>
+            </a:r>
+            <a:endParaRPr lang="en-US" altLang="zh-CN" dirty="0" smtClean="0"/>
+          </a:p>
+          <a:p>
+            <a:r>
+              <a:rPr lang="en-US" altLang="zh-CN" dirty="0" err="1" smtClean="0"/>
+              <a:t>PKCS5Padding</a:t>
+            </a:r>
+            <a:r>
+              <a:rPr lang="zh-CN" altLang="en-US" dirty="0" smtClean="0"/>
+              <a:t>：末尾填充的字节</a:t>
+            </a:r>
+            <a:r>
+              <a:rPr lang="zh-CN" altLang="en-US" dirty="0"/>
+              <a:t>数目为</a:t>
+            </a:r>
+            <a:r>
+              <a:rPr lang="en-US" altLang="zh-CN" dirty="0"/>
+              <a:t>8-(</a:t>
+            </a:r>
+            <a:r>
+              <a:rPr lang="en-US" altLang="zh-CN" dirty="0" err="1"/>
+              <a:t>x%8</a:t>
+            </a:r>
+            <a:r>
+              <a:rPr lang="en-US" altLang="zh-CN" dirty="0" smtClean="0"/>
+              <a:t>)</a:t>
+            </a:r>
+            <a:r>
+              <a:rPr lang="zh-CN" altLang="en-US" dirty="0" smtClean="0"/>
+              <a:t>，</a:t>
+            </a:r>
+            <a:r>
+              <a:rPr lang="zh-CN" altLang="en-US" dirty="0"/>
+              <a:t>每个</a:t>
+            </a:r>
+            <a:r>
+              <a:rPr lang="en-US" altLang="zh-CN" dirty="0"/>
+              <a:t>padding</a:t>
+            </a:r>
+            <a:r>
+              <a:rPr lang="zh-CN" altLang="en-US" dirty="0"/>
+              <a:t>的字节值是</a:t>
+            </a:r>
+            <a:r>
+              <a:rPr lang="en-US" altLang="zh-CN" dirty="0"/>
+              <a:t>8-(</a:t>
+            </a:r>
+            <a:r>
+              <a:rPr lang="en-US" altLang="zh-CN" dirty="0" err="1"/>
+              <a:t>x%8</a:t>
+            </a:r>
+            <a:r>
+              <a:rPr lang="en-US" altLang="zh-CN" dirty="0" smtClean="0"/>
+              <a:t>)</a:t>
+            </a:r>
+            <a:r>
+              <a:rPr lang="zh-CN" altLang="en-US" dirty="0" smtClean="0"/>
+              <a:t>，如下：</a:t>
+            </a:r>
+            <a:endParaRPr lang="en-US" altLang="zh-CN" dirty="0" smtClean="0"/>
+          </a:p>
+          <a:p>
+            <a:endParaRPr lang="en-US" altLang="zh-CN" dirty="0" smtClean="0"/>
+          </a:p>
+          <a:p>
+            <a:r>
+              <a:rPr lang="zh-CN" altLang="en-US" dirty="0"/>
+              <a:t>待加密数据原长度为</a:t>
+            </a:r>
+            <a:r>
+              <a:rPr lang="en-US" altLang="zh-CN" dirty="0"/>
+              <a:t>1</a:t>
+            </a:r>
+            <a:r>
+              <a:rPr lang="zh-CN" altLang="en-US" dirty="0" smtClean="0"/>
+              <a:t>字节 </a:t>
+            </a:r>
+            <a:endParaRPr lang="en-US" altLang="zh-CN" dirty="0" smtClean="0"/>
+          </a:p>
+          <a:p>
+            <a:r>
+              <a:rPr lang="en-US" altLang="zh-CN" dirty="0" err="1" smtClean="0"/>
+              <a:t>0x41</a:t>
+            </a:r>
+            <a:r>
+              <a:rPr lang="en-US" altLang="zh-CN" dirty="0" smtClean="0"/>
+              <a:t> </a:t>
+            </a:r>
+          </a:p>
+          <a:p>
+            <a:r>
+              <a:rPr lang="zh-CN" altLang="en-US" dirty="0" smtClean="0"/>
+              <a:t>填充</a:t>
+            </a:r>
+            <a:r>
+              <a:rPr lang="zh-CN" altLang="en-US" dirty="0"/>
+              <a:t>后</a:t>
+            </a:r>
+            <a:r>
+              <a:rPr lang="zh-CN" altLang="en-US" dirty="0" smtClean="0"/>
+              <a:t>：</a:t>
+            </a:r>
+            <a:endParaRPr lang="en-US" altLang="zh-CN" dirty="0" smtClean="0"/>
+          </a:p>
+          <a:p>
+            <a:r>
+              <a:rPr lang="en-US" altLang="zh-CN" dirty="0" err="1" smtClean="0"/>
+              <a:t>0x410x070x070x070x070x070x070x07</a:t>
+            </a:r>
+            <a:endParaRPr lang="en-US" altLang="zh-CN" dirty="0" smtClean="0"/>
+          </a:p>
+          <a:p>
+            <a:endParaRPr lang="en-US" altLang="zh-CN" dirty="0"/>
+          </a:p>
+          <a:p>
+            <a:r>
+              <a:rPr lang="zh-CN" altLang="en-US" dirty="0"/>
+              <a:t>待加密数据原长度为</a:t>
+            </a:r>
+            <a:r>
+              <a:rPr lang="en-US" altLang="zh-CN" dirty="0"/>
+              <a:t>7</a:t>
+            </a:r>
+            <a:r>
+              <a:rPr lang="zh-CN" altLang="en-US" dirty="0"/>
+              <a:t>字节</a:t>
+            </a:r>
+            <a:r>
+              <a:rPr lang="zh-CN" altLang="en-US" dirty="0" smtClean="0"/>
+              <a:t>：</a:t>
+            </a:r>
+            <a:endParaRPr lang="en-US" altLang="zh-CN" dirty="0" smtClean="0"/>
+          </a:p>
+          <a:p>
+            <a:r>
+              <a:rPr lang="en-US" altLang="zh-CN" dirty="0" err="1" smtClean="0"/>
+              <a:t>0x410x410x410x410x410x410x41</a:t>
+            </a:r>
+            <a:r>
+              <a:rPr lang="en-US" altLang="zh-CN" dirty="0" smtClean="0"/>
+              <a:t> </a:t>
+            </a:r>
+          </a:p>
+          <a:p>
+            <a:r>
+              <a:rPr lang="zh-CN" altLang="en-US" dirty="0" smtClean="0"/>
+              <a:t>填充后</a:t>
+            </a:r>
+            <a:endParaRPr lang="en-US" altLang="zh-CN" dirty="0" smtClean="0"/>
+          </a:p>
+          <a:p>
+            <a:r>
+              <a:rPr lang="en-US" altLang="zh-CN" dirty="0" err="1" smtClean="0"/>
+              <a:t>0x410x410x410x410x410x410x410x01</a:t>
+            </a:r>
+            <a:endParaRPr lang="en-US" altLang="zh-CN" dirty="0" smtClean="0"/>
+          </a:p>
+          <a:p>
+            <a:endParaRPr lang="en-US" altLang="zh-CN" dirty="0"/>
+          </a:p>
+          <a:p>
+            <a:r>
+              <a:rPr lang="zh-CN" altLang="en-US" dirty="0"/>
+              <a:t>待加密数据原长度为</a:t>
+            </a:r>
+            <a:r>
+              <a:rPr lang="en-US" altLang="zh-CN" dirty="0"/>
+              <a:t>8</a:t>
+            </a:r>
+            <a:r>
+              <a:rPr lang="zh-CN" altLang="en-US" dirty="0"/>
+              <a:t>字节</a:t>
+            </a:r>
+            <a:r>
+              <a:rPr lang="zh-CN" altLang="en-US" dirty="0" smtClean="0"/>
+              <a:t>：</a:t>
+            </a:r>
+            <a:endParaRPr lang="en-US" altLang="zh-CN" dirty="0" smtClean="0"/>
+          </a:p>
+          <a:p>
+            <a:r>
+              <a:rPr lang="en-US" altLang="zh-CN" dirty="0" err="1" smtClean="0"/>
+              <a:t>0x410x410x410x410x410x410x410x41</a:t>
+            </a:r>
+            <a:r>
+              <a:rPr lang="en-US" altLang="zh-CN" dirty="0" smtClean="0"/>
+              <a:t> </a:t>
+            </a:r>
+          </a:p>
+          <a:p>
+            <a:r>
+              <a:rPr lang="zh-CN" altLang="en-US" dirty="0" smtClean="0"/>
+              <a:t>填充后</a:t>
+            </a:r>
+            <a:endParaRPr lang="en-US" altLang="zh-CN" dirty="0" smtClean="0"/>
+          </a:p>
+          <a:p>
+            <a:r>
+              <a:rPr lang="en-US" altLang="zh-CN" dirty="0" smtClean="0"/>
+              <a:t>0x410x410x410x410x410x410x410x410x080x080x080x080x080x080x080x08</a:t>
+            </a:r>
+            <a:endParaRPr lang="zh-CN" altLang="en-US" dirty="0"/>
+          </a:p>
+        </p:txBody>
+      </p:sp>
+    </p:spTree>
+    <p:extLst>
+      <p:ext uri="{BB962C8B-B14F-4D97-AF65-F5344CB8AC3E}">
+        <p14:creationId xmlns:p14="http://schemas.microsoft.com/office/powerpoint/2010/main" val="4054420914"/>
+      </p:ext>
+    </p:extLst>
+  </p:cSld>
+  <p:clrMapOvr>
+    <a:masterClrMapping/>
+  </p:clrMapOvr>
+  <p:timing>
+    <p:tnLst>
+      <p:par>
+        <p:cTn id="1" dur="indefinite" restart="never" nodeType="tmRoot"/>
+      </p:par>
+    </p:tnLst>
+  </p:timing>
+</p:sld>
+</file>
+
+<file path=ppt/slides/slide11.xml><?xml version="1.0" encoding="utf-8"?>
+<p:sld xmlns:a="http://schemas.openxmlformats.org/drawingml/2006/main" xmlns:r="http://schemas.openxmlformats.org/officeDocument/2006/relationships" xmlns:p="http://schemas.openxmlformats.org/presentationml/2006/main">
+  <p:cSld>
+    <p:spTree>
+      <p:nvGrpSpPr>
+        <p:cNvPr id="1" name=""/>
+        <p:cNvGrpSpPr/>
+        <p:nvPr/>
+      </p:nvGrpSpPr>
+      <p:grpSpPr>
+        <a:xfrm>
+          <a:off x="0" y="0"/>
+          <a:ext cx="0" cy="0"/>
+          <a:chOff x="0" y="0"/>
+          <a:chExt cx="0" cy="0"/>
+        </a:xfrm>
+      </p:grpSpPr>
+      <p:sp>
+        <p:nvSpPr>
+          <p:cNvPr id="2" name="Title 1"/>
+          <p:cNvSpPr>
+            <a:spLocks noGrp="1"/>
+          </p:cNvSpPr>
+          <p:nvPr>
+            <p:ph type="title"/>
+          </p:nvPr>
+        </p:nvSpPr>
+        <p:spPr>
+          <a:xfrm>
+            <a:off x="1499810" y="282844"/>
+            <a:ext cx="10018713" cy="1752599"/>
+          </a:xfrm>
+        </p:spPr>
+        <p:txBody>
+          <a:bodyPr/>
+          <a:lstStyle/>
+          <a:p>
+            <a:r>
+              <a:rPr lang="en-US" altLang="zh-CN" dirty="0" err="1" smtClean="0"/>
+              <a:t>3DES</a:t>
+            </a:r>
+            <a:r>
+              <a:rPr lang="en-US" altLang="zh-CN" dirty="0" smtClean="0"/>
+              <a:t/>
+            </a:r>
+            <a:br>
+              <a:rPr lang="en-US" altLang="zh-CN" dirty="0" smtClean="0"/>
+            </a:br>
+            <a:r>
+              <a:rPr lang="en-US" altLang="zh-CN" dirty="0" smtClean="0"/>
+              <a:t>Triple DES</a:t>
+            </a:r>
+            <a:endParaRPr lang="zh-CN" altLang="en-US" dirty="0"/>
+          </a:p>
+        </p:txBody>
+      </p:sp>
+      <p:sp>
+        <p:nvSpPr>
+          <p:cNvPr id="5" name="文本框 4"/>
+          <p:cNvSpPr txBox="1"/>
+          <p:nvPr/>
+        </p:nvSpPr>
+        <p:spPr>
+          <a:xfrm>
+            <a:off x="5905058" y="3733800"/>
+            <a:ext cx="1208216" cy="369332"/>
+          </a:xfrm>
+          <a:prstGeom prst="rect">
+            <a:avLst/>
+          </a:prstGeom>
+          <a:noFill/>
+        </p:spPr>
+        <p:txBody>
+          <a:bodyPr wrap="none" rtlCol="0">
+            <a:spAutoFit/>
+          </a:bodyPr>
+          <a:lstStyle/>
+          <a:p>
+            <a:r>
+              <a:rPr lang="zh-CN" altLang="en-US" dirty="0" smtClean="0"/>
+              <a:t>详见</a:t>
+            </a:r>
+            <a:r>
+              <a:rPr lang="en-US" altLang="zh-CN" dirty="0" smtClean="0"/>
+              <a:t>word</a:t>
+            </a:r>
+            <a:endParaRPr lang="zh-CN" altLang="en-US" dirty="0"/>
+          </a:p>
+        </p:txBody>
+      </p:sp>
+    </p:spTree>
+    <p:extLst>
+      <p:ext uri="{BB962C8B-B14F-4D97-AF65-F5344CB8AC3E}">
+        <p14:creationId xmlns:p14="http://schemas.microsoft.com/office/powerpoint/2010/main" val="3419380687"/>
+      </p:ext>
+    </p:extLst>
+  </p:cSld>
+  <p:clrMapOvr>
+    <a:masterClrMapping/>
+  </p:clrMapOvr>
+  <p:timing>
+    <p:tnLst>
+      <p:par>
+        <p:cTn id="1" dur="indefinite" restart="never" nodeType="tmRoot"/>
+      </p:par>
+    </p:tnLst>
+  </p:timing>
+</p:sld>
+</file>
+
+<file path=ppt/slides/slide12.xml><?xml version="1.0" encoding="utf-8"?>
+<p:sld xmlns:a="http://schemas.openxmlformats.org/drawingml/2006/main" xmlns:r="http://schemas.openxmlformats.org/officeDocument/2006/relationships" xmlns:p="http://schemas.openxmlformats.org/presentationml/2006/main">
+  <p:cSld>
+    <p:spTree>
+      <p:nvGrpSpPr>
+        <p:cNvPr id="1" name=""/>
+        <p:cNvGrpSpPr/>
+        <p:nvPr/>
+      </p:nvGrpSpPr>
+      <p:grpSpPr>
+        <a:xfrm>
+          <a:off x="0" y="0"/>
+          <a:ext cx="0" cy="0"/>
+          <a:chOff x="0" y="0"/>
+          <a:chExt cx="0" cy="0"/>
+        </a:xfrm>
+      </p:grpSpPr>
+      <p:sp>
+        <p:nvSpPr>
+          <p:cNvPr id="2" name="Title 1"/>
+          <p:cNvSpPr>
+            <a:spLocks noGrp="1"/>
+          </p:cNvSpPr>
+          <p:nvPr>
+            <p:ph type="title"/>
+          </p:nvPr>
+        </p:nvSpPr>
+        <p:spPr>
+          <a:xfrm>
+            <a:off x="1499810" y="282844"/>
+            <a:ext cx="10018713" cy="1752599"/>
+          </a:xfrm>
+        </p:spPr>
+        <p:txBody>
+          <a:bodyPr/>
+          <a:lstStyle/>
+          <a:p>
+            <a:r>
+              <a:rPr lang="en-US" altLang="zh-CN" dirty="0"/>
+              <a:t>A</a:t>
+            </a:r>
+            <a:r>
+              <a:rPr lang="en-US" altLang="zh-CN" dirty="0" smtClean="0"/>
+              <a:t>ES</a:t>
+            </a:r>
+            <a:r>
+              <a:rPr lang="en-US" altLang="zh-CN" dirty="0" smtClean="0"/>
+              <a:t/>
+            </a:r>
+            <a:br>
+              <a:rPr lang="en-US" altLang="zh-CN" dirty="0" smtClean="0"/>
+            </a:br>
+            <a:r>
+              <a:rPr lang="en-US" altLang="zh-CN" dirty="0"/>
+              <a:t>Advanced </a:t>
+            </a:r>
+            <a:r>
+              <a:rPr lang="en-US" altLang="zh-CN" dirty="0" smtClean="0"/>
+              <a:t>Encryption </a:t>
+            </a:r>
+            <a:r>
+              <a:rPr lang="en-US" altLang="zh-CN" dirty="0"/>
+              <a:t>Standard</a:t>
+            </a:r>
+            <a:endParaRPr lang="zh-CN" altLang="en-US" dirty="0"/>
+          </a:p>
+        </p:txBody>
+      </p:sp>
+      <p:sp>
+        <p:nvSpPr>
+          <p:cNvPr id="5" name="文本框 4"/>
+          <p:cNvSpPr txBox="1"/>
+          <p:nvPr/>
+        </p:nvSpPr>
+        <p:spPr>
+          <a:xfrm>
+            <a:off x="3672840" y="2834640"/>
+            <a:ext cx="4166525" cy="646331"/>
+          </a:xfrm>
+          <a:prstGeom prst="rect">
+            <a:avLst/>
+          </a:prstGeom>
+          <a:noFill/>
+        </p:spPr>
+        <p:txBody>
+          <a:bodyPr wrap="none" rtlCol="0">
+            <a:spAutoFit/>
+          </a:bodyPr>
+          <a:lstStyle/>
+          <a:p>
+            <a:r>
+              <a:rPr lang="zh-CN" altLang="en-US" dirty="0" smtClean="0"/>
+              <a:t>密钥长度变长：</a:t>
+            </a:r>
+            <a:r>
+              <a:rPr lang="en-US" altLang="zh-CN" dirty="0" smtClean="0"/>
+              <a:t>128</a:t>
+            </a:r>
+            <a:r>
+              <a:rPr lang="zh-CN" altLang="en-US" dirty="0" smtClean="0"/>
+              <a:t>位，</a:t>
+            </a:r>
+            <a:r>
+              <a:rPr lang="en-US" altLang="zh-CN" dirty="0" smtClean="0"/>
+              <a:t>192</a:t>
+            </a:r>
+            <a:r>
+              <a:rPr lang="zh-CN" altLang="en-US" dirty="0" smtClean="0"/>
+              <a:t>位，</a:t>
+            </a:r>
+            <a:r>
+              <a:rPr lang="en-US" altLang="zh-CN" dirty="0" smtClean="0"/>
+              <a:t>256</a:t>
+            </a:r>
+            <a:r>
+              <a:rPr lang="zh-CN" altLang="en-US" dirty="0" smtClean="0"/>
+              <a:t>位</a:t>
+            </a:r>
+            <a:endParaRPr lang="en-US" altLang="zh-CN" dirty="0" smtClean="0"/>
+          </a:p>
+          <a:p>
+            <a:r>
+              <a:rPr lang="zh-CN" altLang="en-US" dirty="0" smtClean="0"/>
+              <a:t>分组字节变长：</a:t>
+            </a:r>
+            <a:r>
+              <a:rPr lang="en-US" altLang="zh-CN" dirty="0" smtClean="0"/>
+              <a:t>128</a:t>
+            </a:r>
+            <a:r>
+              <a:rPr lang="zh-CN" altLang="en-US" dirty="0" smtClean="0"/>
+              <a:t>位分组</a:t>
+            </a:r>
+            <a:endParaRPr lang="zh-CN" altLang="en-US" dirty="0"/>
+          </a:p>
+        </p:txBody>
+      </p:sp>
+    </p:spTree>
+    <p:extLst>
+      <p:ext uri="{BB962C8B-B14F-4D97-AF65-F5344CB8AC3E}">
+        <p14:creationId xmlns:p14="http://schemas.microsoft.com/office/powerpoint/2010/main" val="3099286920"/>
+      </p:ext>
+    </p:extLst>
+  </p:cSld>
+  <p:clrMapOvr>
+    <a:masterClrMapping/>
+  </p:clrMapOvr>
+  <p:timing>
+    <p:tnLst>
+      <p:par>
+        <p:cTn id="1" dur="indefinite" restart="never" nodeType="tmRoot"/>
+      </p:par>
+    </p:tnLst>
+  </p:timing>
+</p:sld>
+</file>
+
+<file path=ppt/slides/slide13.xml><?xml version="1.0" encoding="utf-8"?>
+<p:sld xmlns:a="http://schemas.openxmlformats.org/drawingml/2006/main" xmlns:r="http://schemas.openxmlformats.org/officeDocument/2006/relationships" xmlns:p="http://schemas.openxmlformats.org/presentationml/2006/main">
+  <p:cSld>
+    <p:spTree>
+      <p:nvGrpSpPr>
+        <p:cNvPr id="1" name=""/>
+        <p:cNvGrpSpPr/>
+        <p:nvPr/>
+      </p:nvGrpSpPr>
+      <p:grpSpPr>
+        <a:xfrm>
+          <a:off x="0" y="0"/>
+          <a:ext cx="0" cy="0"/>
+          <a:chOff x="0" y="0"/>
+          <a:chExt cx="0" cy="0"/>
+        </a:xfrm>
+      </p:grpSpPr>
+      <p:sp>
+        <p:nvSpPr>
+          <p:cNvPr id="2" name="Title 1"/>
+          <p:cNvSpPr>
+            <a:spLocks noGrp="1"/>
+          </p:cNvSpPr>
+          <p:nvPr>
+            <p:ph type="title"/>
+          </p:nvPr>
+        </p:nvSpPr>
+        <p:spPr>
+          <a:xfrm>
+            <a:off x="1499810" y="282844"/>
+            <a:ext cx="10018713" cy="1752599"/>
+          </a:xfrm>
+        </p:spPr>
+        <p:txBody>
+          <a:bodyPr/>
+          <a:lstStyle/>
+          <a:p>
+            <a:r>
+              <a:rPr lang="en-US" altLang="zh-CN" dirty="0" err="1" smtClean="0"/>
+              <a:t>RSA</a:t>
+            </a:r>
+            <a:r>
+              <a:rPr lang="en-US" altLang="zh-CN" dirty="0" smtClean="0"/>
+              <a:t/>
+            </a:r>
+            <a:br>
+              <a:rPr lang="en-US" altLang="zh-CN" dirty="0" smtClean="0"/>
+            </a:br>
+            <a:r>
+              <a:rPr lang="en-US" altLang="zh-CN" dirty="0"/>
+              <a:t>Advanced </a:t>
+            </a:r>
+            <a:r>
+              <a:rPr lang="en-US" altLang="zh-CN" dirty="0" smtClean="0"/>
+              <a:t>Encryption </a:t>
+            </a:r>
+            <a:r>
+              <a:rPr lang="en-US" altLang="zh-CN" dirty="0"/>
+              <a:t>Standard</a:t>
+            </a:r>
+            <a:endParaRPr lang="zh-CN" altLang="en-US" dirty="0"/>
+          </a:p>
+        </p:txBody>
+      </p:sp>
+      <p:sp>
+        <p:nvSpPr>
+          <p:cNvPr id="5" name="文本框 4"/>
+          <p:cNvSpPr txBox="1"/>
+          <p:nvPr/>
+        </p:nvSpPr>
+        <p:spPr>
+          <a:xfrm>
+            <a:off x="3672840" y="2834640"/>
+            <a:ext cx="4166525" cy="646331"/>
+          </a:xfrm>
+          <a:prstGeom prst="rect">
+            <a:avLst/>
+          </a:prstGeom>
+          <a:noFill/>
+        </p:spPr>
+        <p:txBody>
+          <a:bodyPr wrap="none" rtlCol="0">
+            <a:spAutoFit/>
+          </a:bodyPr>
+          <a:lstStyle/>
+          <a:p>
+            <a:r>
+              <a:rPr lang="zh-CN" altLang="en-US" dirty="0" smtClean="0"/>
+              <a:t>密钥长度变长：</a:t>
+            </a:r>
+            <a:r>
+              <a:rPr lang="en-US" altLang="zh-CN" dirty="0" smtClean="0"/>
+              <a:t>128</a:t>
+            </a:r>
+            <a:r>
+              <a:rPr lang="zh-CN" altLang="en-US" dirty="0" smtClean="0"/>
+              <a:t>位，</a:t>
+            </a:r>
+            <a:r>
+              <a:rPr lang="en-US" altLang="zh-CN" dirty="0" smtClean="0"/>
+              <a:t>192</a:t>
+            </a:r>
+            <a:r>
+              <a:rPr lang="zh-CN" altLang="en-US" dirty="0" smtClean="0"/>
+              <a:t>位，</a:t>
+            </a:r>
+            <a:r>
+              <a:rPr lang="en-US" altLang="zh-CN" dirty="0" smtClean="0"/>
+              <a:t>256</a:t>
+            </a:r>
+            <a:r>
+              <a:rPr lang="zh-CN" altLang="en-US" dirty="0" smtClean="0"/>
+              <a:t>位</a:t>
+            </a:r>
+            <a:endParaRPr lang="en-US" altLang="zh-CN" dirty="0" smtClean="0"/>
+          </a:p>
+          <a:p>
+            <a:r>
+              <a:rPr lang="zh-CN" altLang="en-US" dirty="0" smtClean="0"/>
+              <a:t>分组字节变长：</a:t>
+            </a:r>
+            <a:r>
+              <a:rPr lang="en-US" altLang="zh-CN" dirty="0" smtClean="0"/>
+              <a:t>128</a:t>
+            </a:r>
+            <a:r>
+              <a:rPr lang="zh-CN" altLang="en-US" dirty="0" smtClean="0"/>
+              <a:t>位分组</a:t>
+            </a:r>
+            <a:endParaRPr lang="zh-CN" altLang="en-US" dirty="0"/>
+          </a:p>
+        </p:txBody>
+      </p:sp>
+    </p:spTree>
+    <p:extLst>
+      <p:ext uri="{BB962C8B-B14F-4D97-AF65-F5344CB8AC3E}">
+        <p14:creationId xmlns:p14="http://schemas.microsoft.com/office/powerpoint/2010/main" val="170030988"/>
+      </p:ext>
+    </p:extLst>
+  </p:cSld>
+  <p:clrMapOvr>
+    <a:masterClrMapping/>
+  </p:clrMapOvr>
+  <p:timing>
+    <p:tnLst>
+      <p:par>
+        <p:cTn id="1" dur="indefinite" restart="never" nodeType="tmRoot"/>
+      </p:par>
+    </p:tnLst>
+  </p:timing>
+</p:sld>
+</file>
+
 <file path=ppt/slides/slide2.xml><?xml version="1.0" encoding="utf-8"?>
 <p:sld xmlns:a="http://schemas.openxmlformats.org/drawingml/2006/main" xmlns:r="http://schemas.openxmlformats.org/officeDocument/2006/relationships" xmlns:p="http://schemas.openxmlformats.org/presentationml/2006/main">
   <p:cSld>
@@ -6698,6 +7460,14 @@
               <a:t>、</a:t>
             </a:r>
             <a:r>
+              <a:rPr lang="en-US" altLang="zh-CN" dirty="0" err="1" smtClean="0"/>
+              <a:t>3DES</a:t>
+            </a:r>
+            <a:r>
+              <a:rPr lang="zh-CN" altLang="en-US" dirty="0"/>
+              <a:t>、</a:t>
+            </a:r>
+            <a:r>
               <a:rPr lang="en-US" altLang="zh-CN" dirty="0" smtClean="0"/>
               <a:t>AES</a:t>
             </a:r>
@@ -6718,11 +7488,7 @@
           <a:p>
             <a:r>
               <a:rPr lang="zh-CN" altLang="en-US" dirty="0" smtClean="0"/>
-              <a:t>非对称加密算法</a:t>
-            </a:r>
-            <a:r>
-              <a:rPr lang="zh-CN" altLang="en-US" dirty="0" smtClean="0"/>
-              <a:t>（</a:t>
+              <a:t>非对称加密算法（</a:t>
             </a:r>
             <a:r>
               <a:rPr lang="en-US" altLang="zh-CN" dirty="0" smtClean="0"/>
@@ -6752,16 +7518,10 @@
           </a:p>
           <a:p>
             <a:r>
-              <a:rPr lang="zh-CN" altLang="en-US" dirty="0" smtClean="0"/>
-              <a:t>数字证书</a:t>
-            </a:r>
-            <a:endParaRPr lang="en-US" altLang="zh-CN" dirty="0"/>
-          </a:p>
-          <a:p>
-            <a:r>
               <a:rPr lang="en-US" altLang="zh-CN" dirty="0" smtClean="0"/>
               <a:t>HTTPS</a:t>
             </a:r>
+            <a:endParaRPr lang="en-US" altLang="zh-CN" dirty="0" smtClean="0"/>
           </a:p>
         </p:txBody>
       </p:sp>
@@ -7201,7 +7961,7 @@
         </p:nvSpPr>
         <p:spPr>
           <a:xfrm>
-            <a:off x="8490494" y="3727349"/>
+            <a:off x="7454174" y="3727349"/>
             <a:ext cx="1412930" cy="914400"/>
           </a:xfrm>
           <a:prstGeom prst="roundRect">
@@ -7245,7 +8005,7 @@
         </p:nvSpPr>
         <p:spPr>
           <a:xfrm>
-            <a:off x="5749878" y="3727349"/>
+            <a:off x="4713558" y="3727349"/>
             <a:ext cx="1417973" cy="914400"/>
           </a:xfrm>
           <a:prstGeom prst="roundRect">
@@ -7289,7 +8049,7 @@
         </p:nvSpPr>
         <p:spPr>
           <a:xfrm>
-            <a:off x="2898190" y="3727349"/>
+            <a:off x="1861870" y="3727349"/>
             <a:ext cx="1441342" cy="914400"/>
           </a:xfrm>
           <a:prstGeom prst="roundRect">
@@ -7335,9 +8095,9 @@
           <p:nvPr/>
         </p:nvCxnSpPr>
         <p:spPr>
-          <a:xfrm>
-            <a:off x="6427861" y="2789695"/>
-            <a:ext cx="31004" cy="937654"/>
+          <a:xfrm flipH="1">
+            <a:off x="5422545" y="2789695"/>
+            <a:ext cx="1005316" cy="937654"/>
           </a:xfrm>
           <a:prstGeom prst="straightConnector1">
             <a:avLst/>
@@ -7373,7 +8133,7 @@
         <p:spPr>
           <a:xfrm>
             <a:off x="7020732" y="2412569"/>
-            <a:ext cx="2176227" cy="1314780"/>
+            <a:ext cx="1139907" cy="1314780"/>
           </a:xfrm>
           <a:prstGeom prst="straightConnector1">
             <a:avLst/>
@@ -7408,8 +8168,8 @@
         </p:nvCxnSpPr>
         <p:spPr>
           <a:xfrm flipH="1">
-            <a:off x="3618861" y="2412569"/>
-            <a:ext cx="2216129" cy="1314780"/>
+            <a:off x="2582541" y="2412569"/>
+            <a:ext cx="3252449" cy="1314780"/>
           </a:xfrm>
           <a:prstGeom prst="straightConnector1">
             <a:avLst/>
@@ -7441,7 +8201,7 @@
         </p:nvSpPr>
         <p:spPr>
           <a:xfrm>
-            <a:off x="3618861" y="5587197"/>
+            <a:off x="4411341" y="5587197"/>
             <a:ext cx="3877985" cy="369332"/>
           </a:xfrm>
           <a:prstGeom prst="rect">
@@ -7463,6 +8223,94 @@
           </a:p>
         </p:txBody>
       </p:sp>
+      <p:sp>
+        <p:nvSpPr>
+          <p:cNvPr id="11" name="圆角矩形 10"/>
+          <p:cNvSpPr/>
+          <p:nvPr/>
+        </p:nvSpPr>
+        <p:spPr>
+          <a:xfrm>
+            <a:off x="10199562" y="3727349"/>
+            <a:ext cx="1412930" cy="914400"/>
+          </a:xfrm>
+          <a:prstGeom prst="roundRect">
+            <a:avLst/>
+          </a:prstGeom>
+        </p:spPr>
+        <p:style>
+          <a:lnRef idx="2">
+            <a:schemeClr val="accent1">
+              <a:shade val="50000"/>
+            </a:schemeClr>
+          </a:lnRef>
+          <a:fillRef idx="1">
+            <a:schemeClr val="accent1"/>
+          </a:fillRef>
+          <a:effectRef idx="0">
+            <a:schemeClr val="accent1"/>
+          </a:effectRef>
+          <a:fontRef idx="minor">
+            <a:schemeClr val="lt1"/>
+          </a:fontRef>
+        </p:style>
+        <p:txBody>
+          <a:bodyPr rtlCol="0" anchor="ctr"/>
+          <a:lstStyle/>
+          <a:p>
+            <a:pPr algn="ctr"/>
+            <a:r>
+              <a:rPr lang="en-US" altLang="zh-CN" dirty="0" err="1" smtClean="0"/>
+              <a:t>SHA</a:t>
+            </a:r>
+            <a:r>
+              <a:rPr lang="en-US" altLang="zh-CN" dirty="0" smtClean="0"/>
+              <a:t>-</a:t>
+            </a:r>
+            <a:r>
+              <a:rPr lang="en-US" altLang="zh-CN" dirty="0" smtClean="0"/>
+              <a:t>….</a:t>
+            </a:r>
+            <a:endParaRPr lang="zh-CN" altLang="en-US" dirty="0"/>
+          </a:p>
+        </p:txBody>
+      </p:sp>
+      <p:cxnSp>
+        <p:nvCxnSpPr>
+          <p:cNvPr id="4" name="直接箭头连接符 3"/>
+          <p:cNvCxnSpPr>
+            <a:stCxn id="6" idx="3"/>
+            <a:endCxn id="11" idx="0"/>
+          </p:cNvCxnSpPr>
+          <p:nvPr/>
+        </p:nvCxnSpPr>
+        <p:spPr>
+          <a:xfrm>
+            <a:off x="7020732" y="2412569"/>
+            <a:ext cx="3885295" cy="1314780"/>
+          </a:xfrm>
+          <a:prstGeom prst="straightConnector1">
+            <a:avLst/>
+          </a:prstGeom>
+          <a:ln>
+            <a:tailEnd type="triangle"/>
+          </a:ln>
+        </p:spPr>
+        <p:style>
+          <a:lnRef idx="1">
+            <a:schemeClr val="accent1"/>
+          </a:lnRef>
+          <a:fillRef idx="0">
+            <a:schemeClr val="accent1"/>
+          </a:fillRef>
+          <a:effectRef idx="0">
+            <a:schemeClr val="accent1"/>
+          </a:effectRef>
+          <a:fontRef idx="minor">
+            <a:schemeClr val="tx1"/>
+          </a:fontRef>
+        </p:style>
+      </p:cxnSp>
     </p:spTree>
     <p:extLst>
       <p:ext uri="{BB962C8B-B14F-4D97-AF65-F5344CB8AC3E}">
@@ -7553,7 +8401,7 @@
         </p:blipFill>
         <p:spPr>
           <a:xfrm>
-            <a:off x="2164314" y="1864478"/>
+            <a:off x="2164314" y="2062598"/>
             <a:ext cx="8286750" cy="2838450"/>
           </a:xfrm>
           <a:prstGeom prst="rect">
@@ -7569,8 +8417,8 @@
         </p:nvSpPr>
         <p:spPr>
           <a:xfrm>
-            <a:off x="4463511" y="5361232"/>
-            <a:ext cx="1338828" cy="923330"/>
+            <a:off x="2657182" y="5361232"/>
+            <a:ext cx="7703968" cy="923330"/>
           </a:xfrm>
           <a:prstGeom prst="rect">
             <a:avLst/>
@@ -7592,7 +8440,31 @@
           <a:p>
             <a:r>
               <a:rPr lang="zh-CN" altLang="en-US" dirty="0" smtClean="0"/>
-              <a:t>工作模式？</a:t>
+              <a:t>工作模式</a:t>
+            </a:r>
+            <a:r>
+              <a:rPr lang="zh-CN" altLang="en-US" dirty="0" smtClean="0"/>
+              <a:t>？</a:t>
+            </a:r>
+            <a:r>
+              <a:rPr lang="en-US" altLang="zh-CN" dirty="0"/>
+              <a:t>https://</a:t>
+            </a:r>
+            <a:r>
+              <a:rPr lang="en-US" altLang="zh-CN" dirty="0" err="1"/>
+              <a:t>blog.csdn.net</a:t>
+            </a:r>
+            <a:r>
+              <a:rPr lang="en-US" altLang="zh-CN" dirty="0"/>
+              <a:t>/</a:t>
+            </a:r>
+            <a:r>
+              <a:rPr lang="en-US" altLang="zh-CN" dirty="0" err="1"/>
+              <a:t>jerry81333</a:t>
+            </a:r>
+            <a:r>
+              <a:rPr lang="en-US" altLang="zh-CN" dirty="0"/>
+              <a:t>/article/details/78336616</a:t>
             </a:r>
             <a:endParaRPr lang="en-US" altLang="zh-CN" dirty="0" smtClean="0"/>
           </a:p>
@@ -7783,7 +8655,7 @@
         </p:blipFill>
         <p:spPr>
           <a:xfrm>
-            <a:off x="1910488" y="2201324"/>
+            <a:off x="2075392" y="2035443"/>
             <a:ext cx="9443131" cy="3626039"/>
           </a:xfrm>
           <a:prstGeom prst="rect">
@@ -7819,7 +8691,7 @@
         <a:sysClr val="windowText" lastClr="000000"/>
       </a:dk1>
       <a:lt1>
-        <a:sysClr val="window" lastClr="FFFFFF"/>
+        <a:sysClr val="window" lastClr="C8E8C8"/>
       </a:lt1>
       <a:dk2>
         <a:srgbClr val="212121"/>
@@ -8015,7 +8887,7 @@
         <a:sysClr val="windowText" lastClr="000000"/>
       </a:dk1>
       <a:lt1>
-        <a:sysClr val="window" lastClr="FFFFFF"/>
+        <a:sysClr val="window" lastClr="C8E8C8"/>
       </a:lt1>
       <a:dk2>
         <a:srgbClr val="44546A"/>

--- a/doc/安全.pptx
+++ b/doc/安全.pptx
@@ -209,7 +209,7 @@
           <a:p>
             <a:fld id="{B85CB690-453F-4C54-9FD9-B4719876F28D}" type="datetimeFigureOut">
               <a:rPr lang="zh-CN" altLang="en-US" smtClean="0"/>
-              <a:t>2018/8/23</a:t>
+              <a:t>2018/8/24</a:t>
             </a:fld>
             <a:endParaRPr lang="zh-CN" altLang="en-US"/>
           </a:p>
@@ -1063,7 +1063,7 @@
           <a:p>
             <a:fld id="{B8394647-73FF-4A97-BB49-5C6BA88F0F87}" type="datetimeFigureOut">
               <a:rPr lang="zh-CN" altLang="en-US" smtClean="0"/>
-              <a:t>2018/8/23</a:t>
+              <a:t>2018/8/24</a:t>
             </a:fld>
             <a:endParaRPr lang="zh-CN" altLang="en-US"/>
           </a:p>
@@ -1359,7 +1359,7 @@
           <a:p>
             <a:fld id="{B8394647-73FF-4A97-BB49-5C6BA88F0F87}" type="datetimeFigureOut">
               <a:rPr lang="zh-CN" altLang="en-US" smtClean="0"/>
-              <a:t>2018/8/23</a:t>
+              <a:t>2018/8/24</a:t>
             </a:fld>
             <a:endParaRPr lang="zh-CN" altLang="en-US"/>
           </a:p>
@@ -1607,7 +1607,7 @@
           <a:p>
             <a:fld id="{B8394647-73FF-4A97-BB49-5C6BA88F0F87}" type="datetimeFigureOut">
               <a:rPr lang="zh-CN" altLang="en-US" smtClean="0"/>
-              <a:t>2018/8/23</a:t>
+              <a:t>2018/8/24</a:t>
             </a:fld>
             <a:endParaRPr lang="zh-CN" altLang="en-US"/>
           </a:p>
@@ -2147,7 +2147,7 @@
           <a:p>
             <a:fld id="{B8394647-73FF-4A97-BB49-5C6BA88F0F87}" type="datetimeFigureOut">
               <a:rPr lang="zh-CN" altLang="en-US" smtClean="0"/>
-              <a:t>2018/8/23</a:t>
+              <a:t>2018/8/24</a:t>
             </a:fld>
             <a:endParaRPr lang="zh-CN" altLang="en-US"/>
           </a:p>
@@ -2395,7 +2395,7 @@
           <a:p>
             <a:fld id="{B8394647-73FF-4A97-BB49-5C6BA88F0F87}" type="datetimeFigureOut">
               <a:rPr lang="zh-CN" altLang="en-US" smtClean="0"/>
-              <a:t>2018/8/23</a:t>
+              <a:t>2018/8/24</a:t>
             </a:fld>
             <a:endParaRPr lang="zh-CN" altLang="en-US"/>
           </a:p>
@@ -2927,7 +2927,7 @@
           <a:p>
             <a:fld id="{B8394647-73FF-4A97-BB49-5C6BA88F0F87}" type="datetimeFigureOut">
               <a:rPr lang="zh-CN" altLang="en-US" smtClean="0"/>
-              <a:t>2018/8/23</a:t>
+              <a:t>2018/8/24</a:t>
             </a:fld>
             <a:endParaRPr lang="zh-CN" altLang="en-US"/>
           </a:p>
@@ -3224,7 +3224,7 @@
           <a:p>
             <a:fld id="{B8394647-73FF-4A97-BB49-5C6BA88F0F87}" type="datetimeFigureOut">
               <a:rPr lang="zh-CN" altLang="en-US" smtClean="0"/>
-              <a:t>2018/8/23</a:t>
+              <a:t>2018/8/24</a:t>
             </a:fld>
             <a:endParaRPr lang="zh-CN" altLang="en-US"/>
           </a:p>
@@ -3398,7 +3398,7 @@
           <a:p>
             <a:fld id="{B8394647-73FF-4A97-BB49-5C6BA88F0F87}" type="datetimeFigureOut">
               <a:rPr lang="zh-CN" altLang="en-US" smtClean="0"/>
-              <a:t>2018/8/23</a:t>
+              <a:t>2018/8/24</a:t>
             </a:fld>
             <a:endParaRPr lang="zh-CN" altLang="en-US"/>
           </a:p>
@@ -3578,7 +3578,7 @@
           <a:p>
             <a:fld id="{B8394647-73FF-4A97-BB49-5C6BA88F0F87}" type="datetimeFigureOut">
               <a:rPr lang="zh-CN" altLang="en-US" smtClean="0"/>
-              <a:t>2018/8/23</a:t>
+              <a:t>2018/8/24</a:t>
             </a:fld>
             <a:endParaRPr lang="zh-CN" altLang="en-US"/>
           </a:p>
@@ -3748,7 +3748,7 @@
           <a:p>
             <a:fld id="{B8394647-73FF-4A97-BB49-5C6BA88F0F87}" type="datetimeFigureOut">
               <a:rPr lang="zh-CN" altLang="en-US" smtClean="0"/>
-              <a:t>2018/8/23</a:t>
+              <a:t>2018/8/24</a:t>
             </a:fld>
             <a:endParaRPr lang="zh-CN" altLang="en-US"/>
           </a:p>
@@ -3999,7 +3999,7 @@
           <a:p>
             <a:fld id="{B8394647-73FF-4A97-BB49-5C6BA88F0F87}" type="datetimeFigureOut">
               <a:rPr lang="zh-CN" altLang="en-US" smtClean="0"/>
-              <a:t>2018/8/23</a:t>
+              <a:t>2018/8/24</a:t>
             </a:fld>
             <a:endParaRPr lang="zh-CN" altLang="en-US"/>
           </a:p>
@@ -4296,7 +4296,7 @@
           <a:p>
             <a:fld id="{B8394647-73FF-4A97-BB49-5C6BA88F0F87}" type="datetimeFigureOut">
               <a:rPr lang="zh-CN" altLang="en-US" smtClean="0"/>
-              <a:t>2018/8/23</a:t>
+              <a:t>2018/8/24</a:t>
             </a:fld>
             <a:endParaRPr lang="zh-CN" altLang="en-US"/>
           </a:p>
@@ -4738,7 +4738,7 @@
           <a:p>
             <a:fld id="{B8394647-73FF-4A97-BB49-5C6BA88F0F87}" type="datetimeFigureOut">
               <a:rPr lang="zh-CN" altLang="en-US" smtClean="0"/>
-              <a:t>2018/8/23</a:t>
+              <a:t>2018/8/24</a:t>
             </a:fld>
             <a:endParaRPr lang="zh-CN" altLang="en-US"/>
           </a:p>
@@ -4856,7 +4856,7 @@
           <a:p>
             <a:fld id="{B8394647-73FF-4A97-BB49-5C6BA88F0F87}" type="datetimeFigureOut">
               <a:rPr lang="zh-CN" altLang="en-US" smtClean="0"/>
-              <a:t>2018/8/23</a:t>
+              <a:t>2018/8/24</a:t>
             </a:fld>
             <a:endParaRPr lang="zh-CN" altLang="en-US"/>
           </a:p>
@@ -4951,7 +4951,7 @@
           <a:p>
             <a:fld id="{B8394647-73FF-4A97-BB49-5C6BA88F0F87}" type="datetimeFigureOut">
               <a:rPr lang="zh-CN" altLang="en-US" smtClean="0"/>
-              <a:t>2018/8/23</a:t>
+              <a:t>2018/8/24</a:t>
             </a:fld>
             <a:endParaRPr lang="zh-CN" altLang="en-US"/>
           </a:p>
@@ -5234,7 +5234,7 @@
           <a:p>
             <a:fld id="{B8394647-73FF-4A97-BB49-5C6BA88F0F87}" type="datetimeFigureOut">
               <a:rPr lang="zh-CN" altLang="en-US" smtClean="0"/>
-              <a:t>2018/8/23</a:t>
+              <a:t>2018/8/24</a:t>
             </a:fld>
             <a:endParaRPr lang="zh-CN" altLang="en-US"/>
           </a:p>
@@ -5525,7 +5525,7 @@
           <a:p>
             <a:fld id="{B8394647-73FF-4A97-BB49-5C6BA88F0F87}" type="datetimeFigureOut">
               <a:rPr lang="zh-CN" altLang="en-US" smtClean="0"/>
-              <a:t>2018/8/23</a:t>
+              <a:t>2018/8/24</a:t>
             </a:fld>
             <a:endParaRPr lang="zh-CN" altLang="en-US"/>
           </a:p>
@@ -6055,7 +6055,7 @@
           <a:p>
             <a:fld id="{B8394647-73FF-4A97-BB49-5C6BA88F0F87}" type="datetimeFigureOut">
               <a:rPr lang="zh-CN" altLang="en-US" smtClean="0"/>
-              <a:t>2018/8/23</a:t>
+              <a:t>2018/8/24</a:t>
             </a:fld>
             <a:endParaRPr lang="zh-CN" altLang="en-US"/>
           </a:p>
@@ -6668,11 +6668,7 @@
           <a:p>
             <a:r>
               <a:rPr lang="zh-CN" altLang="en-US" dirty="0" smtClean="0"/>
-              <a:t>填充</a:t>
-            </a:r>
-            <a:r>
-              <a:rPr lang="zh-CN" altLang="en-US" dirty="0" smtClean="0"/>
-              <a:t>模式</a:t>
+              <a:t>填充模式</a:t>
             </a:r>
             <a:endParaRPr lang="zh-CN" altLang="en-US" dirty="0"/>
           </a:p>
@@ -7122,10 +7118,6 @@
               <a:rPr lang="en-US" altLang="zh-CN" dirty="0" smtClean="0"/>
               <a:t>ES</a:t>
             </a:r>
-            <a:r>
-              <a:rPr lang="en-US" altLang="zh-CN" dirty="0" smtClean="0"/>
-              <a:t/>
-            </a:r>
             <a:br>
               <a:rPr lang="en-US" altLang="zh-CN" dirty="0" smtClean="0"/>
             </a:br>
@@ -7153,8 +7145,8 @@
         </p:nvSpPr>
         <p:spPr>
           <a:xfrm>
-            <a:off x="3672840" y="2834640"/>
-            <a:ext cx="4166525" cy="646331"/>
+            <a:off x="2954346" y="2741650"/>
+            <a:ext cx="7109639" cy="1477328"/>
           </a:xfrm>
           <a:prstGeom prst="rect">
             <a:avLst/>
@@ -7208,7 +7200,48 @@
             </a:r>
             <a:r>
               <a:rPr lang="zh-CN" altLang="en-US" dirty="0" smtClean="0"/>
-              <a:t>位分组</a:t>
+              <a:t>位</a:t>
+            </a:r>
+            <a:r>
+              <a:rPr lang="zh-CN" altLang="en-US" dirty="0" smtClean="0"/>
+              <a:t>分组</a:t>
+            </a:r>
+            <a:endParaRPr lang="en-US" altLang="zh-CN" dirty="0" smtClean="0"/>
+          </a:p>
+          <a:p>
+            <a:endParaRPr lang="en-US" altLang="zh-CN" dirty="0"/>
+          </a:p>
+          <a:p>
+            <a:r>
+              <a:rPr lang="en-US" altLang="zh-CN" dirty="0"/>
+              <a:t>AES</a:t>
+            </a:r>
+            <a:r>
+              <a:rPr lang="zh-CN" altLang="en-US" dirty="0"/>
+              <a:t>算法基于排列和置换运算</a:t>
+            </a:r>
+            <a:r>
+              <a:rPr lang="zh-CN" altLang="en-US" dirty="0" smtClean="0"/>
+              <a:t>。</a:t>
+            </a:r>
+            <a:endParaRPr lang="en-US" altLang="zh-CN" dirty="0" smtClean="0"/>
+          </a:p>
+          <a:p>
+            <a:r>
+              <a:rPr lang="zh-CN" altLang="en-US" b="1" dirty="0" smtClean="0"/>
+              <a:t>排列</a:t>
+            </a:r>
+            <a:r>
+              <a:rPr lang="zh-CN" altLang="en-US" dirty="0"/>
+              <a:t>是对数据重新进行安排，</a:t>
+            </a:r>
+            <a:r>
+              <a:rPr lang="zh-CN" altLang="en-US" b="1" dirty="0"/>
+              <a:t>置换</a:t>
+            </a:r>
+            <a:r>
+              <a:rPr lang="zh-CN" altLang="en-US" dirty="0"/>
+              <a:t>是将一个数据单元替换为另一个。</a:t>
             </a:r>
             <a:endParaRPr lang="zh-CN" altLang="en-US" dirty="0"/>
           </a:p>
@@ -7272,28 +7305,12 @@
           <a:lstStyle/>
           <a:p>
             <a:r>
-              <a:rPr lang="en-US" altLang="zh-CN" dirty="0" err="1" smtClean="0"/>
+              <a:rPr lang="en-US" altLang="zh-CN" dirty="0" smtClean="0"/>
               <a:t>RSA</a:t>
-            </a:r>
-            <a:r>
-              <a:rPr lang="en-US" altLang="zh-CN" dirty="0" smtClean="0"/>
-              <a:t/>
             </a:r>
             <a:br>
               <a:rPr lang="en-US" altLang="zh-CN" dirty="0" smtClean="0"/>
             </a:br>
-            <a:r>
-              <a:rPr lang="en-US" altLang="zh-CN" dirty="0"/>
-              <a:t>Advanced </a:t>
-            </a:r>
-            <a:r>
-              <a:rPr lang="en-US" altLang="zh-CN" dirty="0" smtClean="0"/>
-              <a:t>Encryption </a:t>
-            </a:r>
-            <a:r>
-              <a:rPr lang="en-US" altLang="zh-CN" dirty="0"/>
-              <a:t>Standard</a:t>
-            </a:r>
             <a:endParaRPr lang="zh-CN" altLang="en-US" dirty="0"/>
           </a:p>
         </p:txBody>
@@ -7521,7 +7538,6 @@
               <a:rPr lang="en-US" altLang="zh-CN" dirty="0" smtClean="0"/>
               <a:t>HTTPS</a:t>
             </a:r>
-            <a:endParaRPr lang="en-US" altLang="zh-CN" dirty="0" smtClean="0"/>
           </a:p>
         </p:txBody>
       </p:sp>
@@ -8265,11 +8281,7 @@
             </a:r>
             <a:r>
               <a:rPr lang="en-US" altLang="zh-CN" dirty="0" smtClean="0"/>
-              <a:t>-</a:t>
-            </a:r>
-            <a:r>
-              <a:rPr lang="en-US" altLang="zh-CN" dirty="0" smtClean="0"/>
-              <a:t>….</a:t>
+              <a:t>-….</a:t>
             </a:r>
             <a:endParaRPr lang="zh-CN" altLang="en-US" dirty="0"/>
           </a:p>
@@ -8440,11 +8452,7 @@
           <a:p>
             <a:r>
               <a:rPr lang="zh-CN" altLang="en-US" dirty="0" smtClean="0"/>
-              <a:t>工作模式</a:t>
-            </a:r>
-            <a:r>
-              <a:rPr lang="zh-CN" altLang="en-US" dirty="0" smtClean="0"/>
-              <a:t>？</a:t>
+              <a:t>工作模式？</a:t>
             </a:r>
             <a:r>
               <a:rPr lang="en-US" altLang="zh-CN" dirty="0"/>
@@ -8691,7 +8699,7 @@
         <a:sysClr val="windowText" lastClr="000000"/>
       </a:dk1>
       <a:lt1>
-        <a:sysClr val="window" lastClr="C8E8C8"/>
+        <a:sysClr val="window" lastClr="FFFFFF"/>
       </a:lt1>
       <a:dk2>
         <a:srgbClr val="212121"/>
@@ -8887,7 +8895,7 @@
         <a:sysClr val="windowText" lastClr="000000"/>
       </a:dk1>
       <a:lt1>
-        <a:sysClr val="window" lastClr="C8E8C8"/>
+        <a:sysClr val="window" lastClr="FFFFFF"/>
       </a:lt1>
       <a:dk2>
         <a:srgbClr val="44546A"/>
